--- a/SequenceFormBasicTheory.pptx
+++ b/SequenceFormBasicTheory.pptx
@@ -2500,7 +2500,7 @@
         </p:nvSpPr>
         <p:spPr>
           <a:xfrm flipV="1">
-            <a:off x="5410080" y="439200"/>
+            <a:off x="5410080" y="438480"/>
             <a:ext cx="3733560" cy="179640"/>
           </a:xfrm>
           <a:prstGeom prst="rect">
@@ -2904,7 +2904,7 @@
         </p:nvSpPr>
         <p:spPr>
           <a:xfrm flipV="1">
-            <a:off x="6414120" y="3642120"/>
+            <a:off x="6414120" y="3641400"/>
             <a:ext cx="2729520" cy="248040"/>
           </a:xfrm>
           <a:prstGeom prst="rect">
@@ -3023,7 +3023,7 @@
                 </a:solidFill>
                 <a:latin typeface="Georgia"/>
               </a:rPr>
-              <a:t>10/30/14</a:t>
+              <a:t>10/31/14</a:t>
             </a:r>
             <a:endParaRPr/>
           </a:p>
@@ -3082,7 +3082,7 @@
                 <a:spcPct val="100000"/>
               </a:lnSpc>
             </a:pPr>
-            <a:fld id="{E6AA5D31-0499-4D83-A68C-427D070234A3}" type="slidenum">
+            <a:fld id="{F0380D75-A5C8-4577-8CA7-816F70A63E47}" type="slidenum">
               <a:rPr lang="en-US">
                 <a:solidFill>
                   <a:srgbClr val="ffffff"/>
@@ -3356,7 +3356,7 @@
         </p:nvSpPr>
         <p:spPr>
           <a:xfrm flipV="1">
-            <a:off x="5410080" y="439200"/>
+            <a:off x="5410080" y="438480"/>
             <a:ext cx="3733560" cy="179640"/>
           </a:xfrm>
           <a:prstGeom prst="rect">
@@ -3862,7 +3862,7 @@
                 </a:solidFill>
                 <a:latin typeface="Georgia"/>
               </a:rPr>
-              <a:t>10/30/14</a:t>
+              <a:t>10/31/14</a:t>
             </a:r>
             <a:endParaRPr/>
           </a:p>
@@ -3921,7 +3921,7 @@
                 <a:spcPct val="100000"/>
               </a:lnSpc>
             </a:pPr>
-            <a:fld id="{AB3E44AE-C959-4427-B42C-8A9FF803AA76}" type="slidenum">
+            <a:fld id="{F1A52876-1BE7-4720-8273-A9EEC61DA284}" type="slidenum">
               <a:rPr lang="en-US">
                 <a:solidFill>
                   <a:srgbClr val="ffffff"/>
@@ -4047,33 +4047,6 @@
       </p:sp>
     </p:spTree>
   </p:cSld>
-  <p:timing>
-    <p:tnLst>
-      <p:par>
-        <p:cTn id="1" dur="indefinite" restart="never" nodeType="tmRoot">
-          <p:childTnLst>
-            <p:seq>
-              <p:cTn id="2" nodeType="mainSeq"/>
-              <p:prevCondLst>
-                <p:cond delay="0" evt="onPrev">
-                  <p:tgtEl>
-                    <p:sldTgt/>
-                  </p:tgtEl>
-                </p:cond>
-              </p:prevCondLst>
-              <p:nextCondLst>
-                <p:cond delay="0" evt="onNext">
-                  <p:tgtEl>
-                    <p:sldTgt/>
-                  </p:tgtEl>
-                </p:cond>
-              </p:nextCondLst>
-            </p:seq>
-          </p:childTnLst>
-        </p:cTn>
-      </p:par>
-    </p:tnLst>
-  </p:timing>
 </p:sld>
 </file>
 
@@ -4138,7 +4111,7 @@
         </p:nvGraphicFramePr>
         <p:xfrm>
           <a:off x="0" y="0"/>
-          <a:ext cx="9143640" cy="370440"/>
+          <a:ext cx="9143280" cy="370080"/>
         </p:xfrm>
         <a:graphic>
           <a:graphicData uri="http://schemas.openxmlformats.org/drawingml/2006/table">
@@ -4256,7 +4229,7 @@
         </p:nvGraphicFramePr>
         <p:xfrm>
           <a:off x="571320" y="1857240"/>
-          <a:ext cx="2976120" cy="3848040"/>
+          <a:ext cx="2976120" cy="3847680"/>
         </p:xfrm>
         <a:graphic>
           <a:graphicData uri="http://schemas.openxmlformats.org/drawingml/2006/table">
@@ -6396,33 +6369,6 @@
       </p:sp>
     </p:spTree>
   </p:cSld>
-  <p:timing>
-    <p:tnLst>
-      <p:par>
-        <p:cTn id="19" dur="indefinite" restart="never" nodeType="tmRoot">
-          <p:childTnLst>
-            <p:seq>
-              <p:cTn id="20" nodeType="mainSeq"/>
-              <p:prevCondLst>
-                <p:cond delay="0" evt="onPrev">
-                  <p:tgtEl>
-                    <p:sldTgt/>
-                  </p:tgtEl>
-                </p:cond>
-              </p:prevCondLst>
-              <p:nextCondLst>
-                <p:cond delay="0" evt="onNext">
-                  <p:tgtEl>
-                    <p:sldTgt/>
-                  </p:tgtEl>
-                </p:cond>
-              </p:nextCondLst>
-            </p:seq>
-          </p:childTnLst>
-        </p:cTn>
-      </p:par>
-    </p:tnLst>
-  </p:timing>
 </p:sld>
 </file>
 
@@ -6487,7 +6433,7 @@
         </p:nvGraphicFramePr>
         <p:xfrm>
           <a:off x="0" y="0"/>
-          <a:ext cx="9143640" cy="370440"/>
+          <a:ext cx="9143280" cy="370080"/>
         </p:xfrm>
         <a:graphic>
           <a:graphicData uri="http://schemas.openxmlformats.org/drawingml/2006/table">
@@ -6623,7 +6569,7 @@
               <a:lnSpc>
                 <a:spcPct val="100000"/>
               </a:lnSpc>
-              <a:buFont typeface="Trebuchet MS"/>
+              <a:buFont typeface="StarSymbol"/>
               <a:buAutoNum type="arabicPeriod"/>
             </a:pPr>
             <a:r>
@@ -6658,7 +6604,7 @@
               <a:lnSpc>
                 <a:spcPct val="100000"/>
               </a:lnSpc>
-              <a:buFont typeface="Trebuchet MS"/>
+              <a:buFont typeface="StarSymbol"/>
               <a:buAutoNum type="arabicPeriod"/>
             </a:pPr>
             <a:r>
@@ -6692,33 +6638,6 @@
       </p:sp>
     </p:spTree>
   </p:cSld>
-  <p:timing>
-    <p:tnLst>
-      <p:par>
-        <p:cTn id="21" dur="indefinite" restart="never" nodeType="tmRoot">
-          <p:childTnLst>
-            <p:seq>
-              <p:cTn id="22" nodeType="mainSeq"/>
-              <p:prevCondLst>
-                <p:cond delay="0" evt="onPrev">
-                  <p:tgtEl>
-                    <p:sldTgt/>
-                  </p:tgtEl>
-                </p:cond>
-              </p:prevCondLst>
-              <p:nextCondLst>
-                <p:cond delay="0" evt="onNext">
-                  <p:tgtEl>
-                    <p:sldTgt/>
-                  </p:tgtEl>
-                </p:cond>
-              </p:nextCondLst>
-            </p:seq>
-          </p:childTnLst>
-        </p:cTn>
-      </p:par>
-    </p:tnLst>
-  </p:timing>
 </p:sld>
 </file>
 
@@ -6783,7 +6702,7 @@
         </p:nvGraphicFramePr>
         <p:xfrm>
           <a:off x="0" y="0"/>
-          <a:ext cx="9143640" cy="370440"/>
+          <a:ext cx="9143280" cy="370080"/>
         </p:xfrm>
         <a:graphic>
           <a:graphicData uri="http://schemas.openxmlformats.org/drawingml/2006/table">
@@ -7023,33 +6942,6 @@
       </p:sp>
     </p:spTree>
   </p:cSld>
-  <p:timing>
-    <p:tnLst>
-      <p:par>
-        <p:cTn id="23" dur="indefinite" restart="never" nodeType="tmRoot">
-          <p:childTnLst>
-            <p:seq>
-              <p:cTn id="24" nodeType="mainSeq"/>
-              <p:prevCondLst>
-                <p:cond delay="0" evt="onPrev">
-                  <p:tgtEl>
-                    <p:sldTgt/>
-                  </p:tgtEl>
-                </p:cond>
-              </p:prevCondLst>
-              <p:nextCondLst>
-                <p:cond delay="0" evt="onNext">
-                  <p:tgtEl>
-                    <p:sldTgt/>
-                  </p:tgtEl>
-                </p:cond>
-              </p:nextCondLst>
-            </p:seq>
-          </p:childTnLst>
-        </p:cTn>
-      </p:par>
-    </p:tnLst>
-  </p:timing>
 </p:sld>
 </file>
 
@@ -7114,7 +7006,7 @@
         </p:nvGraphicFramePr>
         <p:xfrm>
           <a:off x="0" y="0"/>
-          <a:ext cx="9143640" cy="370440"/>
+          <a:ext cx="9143280" cy="370080"/>
         </p:xfrm>
         <a:graphic>
           <a:graphicData uri="http://schemas.openxmlformats.org/drawingml/2006/table">
@@ -8784,33 +8676,6 @@
       </p:sp>
     </p:spTree>
   </p:cSld>
-  <p:timing>
-    <p:tnLst>
-      <p:par>
-        <p:cTn id="25" dur="indefinite" restart="never" nodeType="tmRoot">
-          <p:childTnLst>
-            <p:seq>
-              <p:cTn id="26" nodeType="mainSeq"/>
-              <p:prevCondLst>
-                <p:cond delay="0" evt="onPrev">
-                  <p:tgtEl>
-                    <p:sldTgt/>
-                  </p:tgtEl>
-                </p:cond>
-              </p:prevCondLst>
-              <p:nextCondLst>
-                <p:cond delay="0" evt="onNext">
-                  <p:tgtEl>
-                    <p:sldTgt/>
-                  </p:tgtEl>
-                </p:cond>
-              </p:nextCondLst>
-            </p:seq>
-          </p:childTnLst>
-        </p:cTn>
-      </p:par>
-    </p:tnLst>
-  </p:timing>
 </p:sld>
 </file>
 
@@ -8875,7 +8740,7 @@
         </p:nvGraphicFramePr>
         <p:xfrm>
           <a:off x="0" y="0"/>
-          <a:ext cx="9143640" cy="370440"/>
+          <a:ext cx="9143280" cy="370080"/>
         </p:xfrm>
         <a:graphic>
           <a:graphicData uri="http://schemas.openxmlformats.org/drawingml/2006/table">
@@ -9063,33 +8928,6 @@
       </p:sp>
     </p:spTree>
   </p:cSld>
-  <p:timing>
-    <p:tnLst>
-      <p:par>
-        <p:cTn id="27" dur="indefinite" restart="never" nodeType="tmRoot">
-          <p:childTnLst>
-            <p:seq>
-              <p:cTn id="28" nodeType="mainSeq"/>
-              <p:prevCondLst>
-                <p:cond delay="0" evt="onPrev">
-                  <p:tgtEl>
-                    <p:sldTgt/>
-                  </p:tgtEl>
-                </p:cond>
-              </p:prevCondLst>
-              <p:nextCondLst>
-                <p:cond delay="0" evt="onNext">
-                  <p:tgtEl>
-                    <p:sldTgt/>
-                  </p:tgtEl>
-                </p:cond>
-              </p:nextCondLst>
-            </p:seq>
-          </p:childTnLst>
-        </p:cTn>
-      </p:par>
-    </p:tnLst>
-  </p:timing>
 </p:sld>
 </file>
 
@@ -9168,7 +9006,7 @@
               <a:lnSpc>
                 <a:spcPct val="100000"/>
               </a:lnSpc>
-              <a:buFont typeface="Trebuchet MS"/>
+              <a:buFont typeface="StarSymbol"/>
               <a:buAutoNum type="arabicPeriod"/>
             </a:pPr>
             <a:r>
@@ -9195,7 +9033,7 @@
               <a:lnSpc>
                 <a:spcPct val="100000"/>
               </a:lnSpc>
-              <a:buFont typeface="Trebuchet MS"/>
+              <a:buFont typeface="StarSymbol"/>
               <a:buAutoNum type="arabicPeriod"/>
             </a:pPr>
             <a:r>
@@ -9222,7 +9060,7 @@
               <a:lnSpc>
                 <a:spcPct val="100000"/>
               </a:lnSpc>
-              <a:buFont typeface="Trebuchet MS"/>
+              <a:buFont typeface="StarSymbol"/>
               <a:buAutoNum type="arabicPeriod"/>
             </a:pPr>
             <a:r>
@@ -9249,7 +9087,7 @@
               <a:lnSpc>
                 <a:spcPct val="100000"/>
               </a:lnSpc>
-              <a:buFont typeface="Trebuchet MS"/>
+              <a:buFont typeface="StarSymbol"/>
               <a:buAutoNum type="arabicPeriod"/>
             </a:pPr>
             <a:r>
@@ -9267,33 +9105,6 @@
       </p:sp>
     </p:spTree>
   </p:cSld>
-  <p:timing>
-    <p:tnLst>
-      <p:par>
-        <p:cTn id="29" dur="indefinite" restart="never" nodeType="tmRoot">
-          <p:childTnLst>
-            <p:seq>
-              <p:cTn id="30" nodeType="mainSeq"/>
-              <p:prevCondLst>
-                <p:cond delay="0" evt="onPrev">
-                  <p:tgtEl>
-                    <p:sldTgt/>
-                  </p:tgtEl>
-                </p:cond>
-              </p:prevCondLst>
-              <p:nextCondLst>
-                <p:cond delay="0" evt="onNext">
-                  <p:tgtEl>
-                    <p:sldTgt/>
-                  </p:tgtEl>
-                </p:cond>
-              </p:nextCondLst>
-            </p:seq>
-          </p:childTnLst>
-        </p:cTn>
-      </p:par>
-    </p:tnLst>
-  </p:timing>
 </p:sld>
 </file>
 
@@ -9358,7 +9169,7 @@
         </p:nvGraphicFramePr>
         <p:xfrm>
           <a:off x="0" y="0"/>
-          <a:ext cx="9143640" cy="370440"/>
+          <a:ext cx="9143280" cy="630720"/>
         </p:xfrm>
         <a:graphic>
           <a:graphicData uri="http://schemas.openxmlformats.org/drawingml/2006/table">
@@ -9516,33 +9327,6 @@
       </p:pic>
     </p:spTree>
   </p:cSld>
-  <p:timing>
-    <p:tnLst>
-      <p:par>
-        <p:cTn id="31" dur="indefinite" restart="never" nodeType="tmRoot">
-          <p:childTnLst>
-            <p:seq>
-              <p:cTn id="32" nodeType="mainSeq"/>
-              <p:prevCondLst>
-                <p:cond delay="0" evt="onPrev">
-                  <p:tgtEl>
-                    <p:sldTgt/>
-                  </p:tgtEl>
-                </p:cond>
-              </p:prevCondLst>
-              <p:nextCondLst>
-                <p:cond delay="0" evt="onNext">
-                  <p:tgtEl>
-                    <p:sldTgt/>
-                  </p:tgtEl>
-                </p:cond>
-              </p:nextCondLst>
-            </p:seq>
-          </p:childTnLst>
-        </p:cTn>
-      </p:par>
-    </p:tnLst>
-  </p:timing>
 </p:sld>
 </file>
 
@@ -9607,7 +9391,7 @@
         </p:nvGraphicFramePr>
         <p:xfrm>
           <a:off x="0" y="0"/>
-          <a:ext cx="9143640" cy="370440"/>
+          <a:ext cx="9143280" cy="630720"/>
         </p:xfrm>
         <a:graphic>
           <a:graphicData uri="http://schemas.openxmlformats.org/drawingml/2006/table">
@@ -9860,33 +9644,6 @@
       </p:sp>
     </p:spTree>
   </p:cSld>
-  <p:timing>
-    <p:tnLst>
-      <p:par>
-        <p:cTn id="33" dur="indefinite" restart="never" nodeType="tmRoot">
-          <p:childTnLst>
-            <p:seq>
-              <p:cTn id="34" nodeType="mainSeq"/>
-              <p:prevCondLst>
-                <p:cond delay="0" evt="onPrev">
-                  <p:tgtEl>
-                    <p:sldTgt/>
-                  </p:tgtEl>
-                </p:cond>
-              </p:prevCondLst>
-              <p:nextCondLst>
-                <p:cond delay="0" evt="onNext">
-                  <p:tgtEl>
-                    <p:sldTgt/>
-                  </p:tgtEl>
-                </p:cond>
-              </p:nextCondLst>
-            </p:seq>
-          </p:childTnLst>
-        </p:cTn>
-      </p:par>
-    </p:tnLst>
-  </p:timing>
 </p:sld>
 </file>
 
@@ -9951,7 +9708,7 @@
         </p:nvGraphicFramePr>
         <p:xfrm>
           <a:off x="0" y="0"/>
-          <a:ext cx="9143640" cy="370440"/>
+          <a:ext cx="9143280" cy="630720"/>
         </p:xfrm>
         <a:graphic>
           <a:graphicData uri="http://schemas.openxmlformats.org/drawingml/2006/table">
@@ -10113,33 +9870,6 @@
       </p:pic>
     </p:spTree>
   </p:cSld>
-  <p:timing>
-    <p:tnLst>
-      <p:par>
-        <p:cTn id="35" dur="indefinite" restart="never" nodeType="tmRoot">
-          <p:childTnLst>
-            <p:seq>
-              <p:cTn id="36" nodeType="mainSeq"/>
-              <p:prevCondLst>
-                <p:cond delay="0" evt="onPrev">
-                  <p:tgtEl>
-                    <p:sldTgt/>
-                  </p:tgtEl>
-                </p:cond>
-              </p:prevCondLst>
-              <p:nextCondLst>
-                <p:cond delay="0" evt="onNext">
-                  <p:tgtEl>
-                    <p:sldTgt/>
-                  </p:tgtEl>
-                </p:cond>
-              </p:nextCondLst>
-            </p:seq>
-          </p:childTnLst>
-        </p:cTn>
-      </p:par>
-    </p:tnLst>
-  </p:timing>
 </p:sld>
 </file>
 
@@ -10204,7 +9934,7 @@
         </p:nvGraphicFramePr>
         <p:xfrm>
           <a:off x="0" y="0"/>
-          <a:ext cx="9143640" cy="370440"/>
+          <a:ext cx="9143280" cy="630720"/>
         </p:xfrm>
         <a:graphic>
           <a:graphicData uri="http://schemas.openxmlformats.org/drawingml/2006/table">
@@ -10409,33 +10139,6 @@
       </p:pic>
     </p:spTree>
   </p:cSld>
-  <p:timing>
-    <p:tnLst>
-      <p:par>
-        <p:cTn id="37" dur="indefinite" restart="never" nodeType="tmRoot">
-          <p:childTnLst>
-            <p:seq>
-              <p:cTn id="38" nodeType="mainSeq"/>
-              <p:prevCondLst>
-                <p:cond delay="0" evt="onPrev">
-                  <p:tgtEl>
-                    <p:sldTgt/>
-                  </p:tgtEl>
-                </p:cond>
-              </p:prevCondLst>
-              <p:nextCondLst>
-                <p:cond delay="0" evt="onNext">
-                  <p:tgtEl>
-                    <p:sldTgt/>
-                  </p:tgtEl>
-                </p:cond>
-              </p:nextCondLst>
-            </p:seq>
-          </p:childTnLst>
-        </p:cTn>
-      </p:par>
-    </p:tnLst>
-  </p:timing>
 </p:sld>
 </file>
 
@@ -10514,7 +10217,7 @@
               <a:lnSpc>
                 <a:spcPct val="100000"/>
               </a:lnSpc>
-              <a:buFont typeface="Trebuchet MS"/>
+              <a:buFont typeface="StarSymbol"/>
               <a:buAutoNum type="arabicPeriod"/>
             </a:pPr>
             <a:r>
@@ -10541,7 +10244,7 @@
               <a:lnSpc>
                 <a:spcPct val="100000"/>
               </a:lnSpc>
-              <a:buFont typeface="Trebuchet MS"/>
+              <a:buFont typeface="StarSymbol"/>
               <a:buAutoNum type="arabicPeriod"/>
             </a:pPr>
             <a:r>
@@ -10568,7 +10271,7 @@
               <a:lnSpc>
                 <a:spcPct val="100000"/>
               </a:lnSpc>
-              <a:buFont typeface="Trebuchet MS"/>
+              <a:buFont typeface="StarSymbol"/>
               <a:buAutoNum type="arabicPeriod"/>
             </a:pPr>
             <a:r>
@@ -10595,7 +10298,7 @@
               <a:lnSpc>
                 <a:spcPct val="100000"/>
               </a:lnSpc>
-              <a:buFont typeface="Trebuchet MS"/>
+              <a:buFont typeface="StarSymbol"/>
               <a:buAutoNum type="arabicPeriod"/>
             </a:pPr>
             <a:r>
@@ -10613,33 +10316,6 @@
       </p:sp>
     </p:spTree>
   </p:cSld>
-  <p:timing>
-    <p:tnLst>
-      <p:par>
-        <p:cTn id="3" dur="indefinite" restart="never" nodeType="tmRoot">
-          <p:childTnLst>
-            <p:seq>
-              <p:cTn id="4" nodeType="mainSeq"/>
-              <p:prevCondLst>
-                <p:cond delay="0" evt="onPrev">
-                  <p:tgtEl>
-                    <p:sldTgt/>
-                  </p:tgtEl>
-                </p:cond>
-              </p:prevCondLst>
-              <p:nextCondLst>
-                <p:cond delay="0" evt="onNext">
-                  <p:tgtEl>
-                    <p:sldTgt/>
-                  </p:tgtEl>
-                </p:cond>
-              </p:nextCondLst>
-            </p:seq>
-          </p:childTnLst>
-        </p:cTn>
-      </p:par>
-    </p:tnLst>
-  </p:timing>
 </p:sld>
 </file>
 
@@ -10704,7 +10380,7 @@
         </p:nvGraphicFramePr>
         <p:xfrm>
           <a:off x="0" y="0"/>
-          <a:ext cx="9143640" cy="370440"/>
+          <a:ext cx="9143280" cy="630720"/>
         </p:xfrm>
         <a:graphic>
           <a:graphicData uri="http://schemas.openxmlformats.org/drawingml/2006/table">
@@ -10860,7 +10536,7 @@
               <a:lnSpc>
                 <a:spcPct val="100000"/>
               </a:lnSpc>
-              <a:buFont typeface="Trebuchet MS"/>
+              <a:buFont typeface="StarSymbol"/>
               <a:buAutoNum type="alphaLcParenR"/>
             </a:pPr>
             <a:r>
@@ -10879,7 +10555,7 @@
               <a:lnSpc>
                 <a:spcPct val="100000"/>
               </a:lnSpc>
-              <a:buFont typeface="Trebuchet MS"/>
+              <a:buFont typeface="StarSymbol"/>
               <a:buAutoNum type="alphaLcParenR"/>
             </a:pPr>
             <a:r>
@@ -10897,33 +10573,6 @@
       </p:sp>
     </p:spTree>
   </p:cSld>
-  <p:timing>
-    <p:tnLst>
-      <p:par>
-        <p:cTn id="39" dur="indefinite" restart="never" nodeType="tmRoot">
-          <p:childTnLst>
-            <p:seq>
-              <p:cTn id="40" nodeType="mainSeq"/>
-              <p:prevCondLst>
-                <p:cond delay="0" evt="onPrev">
-                  <p:tgtEl>
-                    <p:sldTgt/>
-                  </p:tgtEl>
-                </p:cond>
-              </p:prevCondLst>
-              <p:nextCondLst>
-                <p:cond delay="0" evt="onNext">
-                  <p:tgtEl>
-                    <p:sldTgt/>
-                  </p:tgtEl>
-                </p:cond>
-              </p:nextCondLst>
-            </p:seq>
-          </p:childTnLst>
-        </p:cTn>
-      </p:par>
-    </p:tnLst>
-  </p:timing>
 </p:sld>
 </file>
 
@@ -10988,19 +10637,19 @@
         </p:nvGraphicFramePr>
         <p:xfrm>
           <a:off x="0" y="0"/>
-          <a:ext cx="9143640" cy="370440"/>
+          <a:ext cx="9143280" cy="370080"/>
         </p:xfrm>
         <a:graphic>
           <a:graphicData uri="http://schemas.openxmlformats.org/drawingml/2006/table">
             <a:tbl>
               <a:tblPr/>
               <a:tblGrid>
-                <a:gridCol w="1928520"/>
-                <a:gridCol w="2571480"/>
-                <a:gridCol w="0"/>
-                <a:gridCol w="36000"/>
+                <a:gridCol w="3570840"/>
+                <a:gridCol w="4761360"/>
+                <a:gridCol w="405000"/>
+                <a:gridCol w="406080"/>
               </a:tblGrid>
-              <a:tr h="256320">
+              <a:tr h="4114800">
                 <a:tc>
                   <a:txBody>
                     <a:bodyPr/>
@@ -11144,7 +10793,7 @@
               <a:lnSpc>
                 <a:spcPct val="100000"/>
               </a:lnSpc>
-              <a:buFont typeface="Trebuchet MS"/>
+              <a:buFont typeface="StarSymbol"/>
               <a:buAutoNum type="arabicPeriod"/>
             </a:pPr>
             <a:r>
@@ -11189,7 +10838,7 @@
               <a:lnSpc>
                 <a:spcPct val="100000"/>
               </a:lnSpc>
-              <a:buFont typeface="Trebuchet MS"/>
+              <a:buFont typeface="StarSymbol"/>
               <a:buAutoNum type="arabicPeriod"/>
             </a:pPr>
             <a:r>
@@ -11234,7 +10883,7 @@
               <a:lnSpc>
                 <a:spcPct val="100000"/>
               </a:lnSpc>
-              <a:buFont typeface="Trebuchet MS"/>
+              <a:buFont typeface="StarSymbol"/>
               <a:buAutoNum type="arabicPeriod"/>
             </a:pPr>
             <a:r>
@@ -11294,33 +10943,6 @@
       </p:sp>
     </p:spTree>
   </p:cSld>
-  <p:timing>
-    <p:tnLst>
-      <p:par>
-        <p:cTn id="41" dur="indefinite" restart="never" nodeType="tmRoot">
-          <p:childTnLst>
-            <p:seq>
-              <p:cTn id="42" nodeType="mainSeq"/>
-              <p:prevCondLst>
-                <p:cond delay="0" evt="onPrev">
-                  <p:tgtEl>
-                    <p:sldTgt/>
-                  </p:tgtEl>
-                </p:cond>
-              </p:prevCondLst>
-              <p:nextCondLst>
-                <p:cond delay="0" evt="onNext">
-                  <p:tgtEl>
-                    <p:sldTgt/>
-                  </p:tgtEl>
-                </p:cond>
-              </p:nextCondLst>
-            </p:seq>
-          </p:childTnLst>
-        </p:cTn>
-      </p:par>
-    </p:tnLst>
-  </p:timing>
 </p:sld>
 </file>
 
@@ -11553,33 +11175,6 @@
       </p:sp>
     </p:spTree>
   </p:cSld>
-  <p:timing>
-    <p:tnLst>
-      <p:par>
-        <p:cTn id="43" dur="indefinite" restart="never" nodeType="tmRoot">
-          <p:childTnLst>
-            <p:seq>
-              <p:cTn id="44" nodeType="mainSeq"/>
-              <p:prevCondLst>
-                <p:cond delay="0" evt="onPrev">
-                  <p:tgtEl>
-                    <p:sldTgt/>
-                  </p:tgtEl>
-                </p:cond>
-              </p:prevCondLst>
-              <p:nextCondLst>
-                <p:cond delay="0" evt="onNext">
-                  <p:tgtEl>
-                    <p:sldTgt/>
-                  </p:tgtEl>
-                </p:cond>
-              </p:nextCondLst>
-            </p:seq>
-          </p:childTnLst>
-        </p:cTn>
-      </p:par>
-    </p:tnLst>
-  </p:timing>
 </p:sld>
 </file>
 
@@ -11687,33 +11282,6 @@
       </p:sp>
     </p:spTree>
   </p:cSld>
-  <p:timing>
-    <p:tnLst>
-      <p:par>
-        <p:cTn id="45" dur="indefinite" restart="never" nodeType="tmRoot">
-          <p:childTnLst>
-            <p:seq>
-              <p:cTn id="46" nodeType="mainSeq"/>
-              <p:prevCondLst>
-                <p:cond delay="0" evt="onPrev">
-                  <p:tgtEl>
-                    <p:sldTgt/>
-                  </p:tgtEl>
-                </p:cond>
-              </p:prevCondLst>
-              <p:nextCondLst>
-                <p:cond delay="0" evt="onNext">
-                  <p:tgtEl>
-                    <p:sldTgt/>
-                  </p:tgtEl>
-                </p:cond>
-              </p:nextCondLst>
-            </p:seq>
-          </p:childTnLst>
-        </p:cTn>
-      </p:par>
-    </p:tnLst>
-  </p:timing>
 </p:sld>
 </file>
 
@@ -12110,7 +11678,7 @@
         </p:nvGraphicFramePr>
         <p:xfrm>
           <a:off x="0" y="0"/>
-          <a:ext cx="9143640" cy="370440"/>
+          <a:ext cx="9143280" cy="370080"/>
         </p:xfrm>
         <a:graphic>
           <a:graphicData uri="http://schemas.openxmlformats.org/drawingml/2006/table">
@@ -12463,33 +12031,6 @@
       </p:sp>
     </p:spTree>
   </p:cSld>
-  <p:timing>
-    <p:tnLst>
-      <p:par>
-        <p:cTn id="5" dur="indefinite" restart="never" nodeType="tmRoot">
-          <p:childTnLst>
-            <p:seq>
-              <p:cTn id="6" nodeType="mainSeq"/>
-              <p:prevCondLst>
-                <p:cond delay="0" evt="onPrev">
-                  <p:tgtEl>
-                    <p:sldTgt/>
-                  </p:tgtEl>
-                </p:cond>
-              </p:prevCondLst>
-              <p:nextCondLst>
-                <p:cond delay="0" evt="onNext">
-                  <p:tgtEl>
-                    <p:sldTgt/>
-                  </p:tgtEl>
-                </p:cond>
-              </p:nextCondLst>
-            </p:seq>
-          </p:childTnLst>
-        </p:cTn>
-      </p:par>
-    </p:tnLst>
-  </p:timing>
 </p:sld>
 </file>
 
@@ -13485,7 +13026,7 @@
         </p:nvGraphicFramePr>
         <p:xfrm>
           <a:off x="0" y="0"/>
-          <a:ext cx="9143640" cy="370440"/>
+          <a:ext cx="9143280" cy="370080"/>
         </p:xfrm>
         <a:graphic>
           <a:graphicData uri="http://schemas.openxmlformats.org/drawingml/2006/table">
@@ -13603,7 +13144,7 @@
         </p:nvGraphicFramePr>
         <p:xfrm>
           <a:off x="785880" y="1928880"/>
-          <a:ext cx="7572240" cy="3404160"/>
+          <a:ext cx="7571880" cy="3403800"/>
         </p:xfrm>
         <a:graphic>
           <a:graphicData uri="http://schemas.openxmlformats.org/drawingml/2006/table">
@@ -13884,33 +13425,6 @@
       </p:graphicFrame>
     </p:spTree>
   </p:cSld>
-  <p:timing>
-    <p:tnLst>
-      <p:par>
-        <p:cTn id="7" dur="indefinite" restart="never" nodeType="tmRoot">
-          <p:childTnLst>
-            <p:seq>
-              <p:cTn id="8" nodeType="mainSeq"/>
-              <p:prevCondLst>
-                <p:cond delay="0" evt="onPrev">
-                  <p:tgtEl>
-                    <p:sldTgt/>
-                  </p:tgtEl>
-                </p:cond>
-              </p:prevCondLst>
-              <p:nextCondLst>
-                <p:cond delay="0" evt="onNext">
-                  <p:tgtEl>
-                    <p:sldTgt/>
-                  </p:tgtEl>
-                </p:cond>
-              </p:nextCondLst>
-            </p:seq>
-          </p:childTnLst>
-        </p:cTn>
-      </p:par>
-    </p:tnLst>
-  </p:timing>
 </p:sld>
 </file>
 
@@ -14855,7 +14369,7 @@
               <a:lnSpc>
                 <a:spcPct val="100000"/>
               </a:lnSpc>
-              <a:buFont typeface="Trebuchet MS"/>
+              <a:buFont typeface="StarSymbol"/>
               <a:buAutoNum type="arabicPeriod"/>
             </a:pPr>
             <a:r>
@@ -14882,7 +14396,7 @@
               <a:lnSpc>
                 <a:spcPct val="100000"/>
               </a:lnSpc>
-              <a:buFont typeface="Trebuchet MS"/>
+              <a:buFont typeface="StarSymbol"/>
               <a:buAutoNum type="arabicPeriod"/>
             </a:pPr>
             <a:r>
@@ -14909,7 +14423,7 @@
               <a:lnSpc>
                 <a:spcPct val="100000"/>
               </a:lnSpc>
-              <a:buFont typeface="Trebuchet MS"/>
+              <a:buFont typeface="StarSymbol"/>
               <a:buAutoNum type="arabicPeriod"/>
             </a:pPr>
             <a:r>
@@ -14936,7 +14450,7 @@
               <a:lnSpc>
                 <a:spcPct val="100000"/>
               </a:lnSpc>
-              <a:buFont typeface="Trebuchet MS"/>
+              <a:buFont typeface="StarSymbol"/>
               <a:buAutoNum type="arabicPeriod"/>
             </a:pPr>
             <a:r>
@@ -14954,33 +14468,6 @@
       </p:sp>
     </p:spTree>
   </p:cSld>
-  <p:timing>
-    <p:tnLst>
-      <p:par>
-        <p:cTn id="9" dur="indefinite" restart="never" nodeType="tmRoot">
-          <p:childTnLst>
-            <p:seq>
-              <p:cTn id="10" nodeType="mainSeq"/>
-              <p:prevCondLst>
-                <p:cond delay="0" evt="onPrev">
-                  <p:tgtEl>
-                    <p:sldTgt/>
-                  </p:tgtEl>
-                </p:cond>
-              </p:prevCondLst>
-              <p:nextCondLst>
-                <p:cond delay="0" evt="onNext">
-                  <p:tgtEl>
-                    <p:sldTgt/>
-                  </p:tgtEl>
-                </p:cond>
-              </p:nextCondLst>
-            </p:seq>
-          </p:childTnLst>
-        </p:cTn>
-      </p:par>
-    </p:tnLst>
-  </p:timing>
 </p:sld>
 </file>
 
@@ -15940,7 +15427,7 @@
         </p:nvGraphicFramePr>
         <p:xfrm>
           <a:off x="0" y="0"/>
-          <a:ext cx="9143640" cy="370440"/>
+          <a:ext cx="9143280" cy="370080"/>
         </p:xfrm>
         <a:graphic>
           <a:graphicData uri="http://schemas.openxmlformats.org/drawingml/2006/table">
@@ -17590,33 +17077,6 @@
       </p:sp>
     </p:spTree>
   </p:cSld>
-  <p:timing>
-    <p:tnLst>
-      <p:par>
-        <p:cTn id="11" dur="indefinite" restart="never" nodeType="tmRoot">
-          <p:childTnLst>
-            <p:seq>
-              <p:cTn id="12" nodeType="mainSeq"/>
-              <p:prevCondLst>
-                <p:cond delay="0" evt="onPrev">
-                  <p:tgtEl>
-                    <p:sldTgt/>
-                  </p:tgtEl>
-                </p:cond>
-              </p:prevCondLst>
-              <p:nextCondLst>
-                <p:cond delay="0" evt="onNext">
-                  <p:tgtEl>
-                    <p:sldTgt/>
-                  </p:tgtEl>
-                </p:cond>
-              </p:nextCondLst>
-            </p:seq>
-          </p:childTnLst>
-        </p:cTn>
-      </p:par>
-    </p:tnLst>
-  </p:timing>
 </p:sld>
 </file>
 
@@ -18431,7 +17891,7 @@
         </p:nvGraphicFramePr>
         <p:xfrm>
           <a:off x="0" y="0"/>
-          <a:ext cx="9143640" cy="370440"/>
+          <a:ext cx="9143280" cy="370080"/>
         </p:xfrm>
         <a:graphic>
           <a:graphicData uri="http://schemas.openxmlformats.org/drawingml/2006/table">
@@ -18568,33 +18028,6 @@
       </p:pic>
     </p:spTree>
   </p:cSld>
-  <p:timing>
-    <p:tnLst>
-      <p:par>
-        <p:cTn id="13" dur="indefinite" restart="never" nodeType="tmRoot">
-          <p:childTnLst>
-            <p:seq>
-              <p:cTn id="14" nodeType="mainSeq"/>
-              <p:prevCondLst>
-                <p:cond delay="0" evt="onPrev">
-                  <p:tgtEl>
-                    <p:sldTgt/>
-                  </p:tgtEl>
-                </p:cond>
-              </p:prevCondLst>
-              <p:nextCondLst>
-                <p:cond delay="0" evt="onNext">
-                  <p:tgtEl>
-                    <p:sldTgt/>
-                  </p:tgtEl>
-                </p:cond>
-              </p:nextCondLst>
-            </p:seq>
-          </p:childTnLst>
-        </p:cTn>
-      </p:par>
-    </p:tnLst>
-  </p:timing>
 </p:sld>
 </file>
 
@@ -19067,7 +18500,7 @@
         </p:nvGraphicFramePr>
         <p:xfrm>
           <a:off x="0" y="0"/>
-          <a:ext cx="9143640" cy="370440"/>
+          <a:ext cx="9143280" cy="370080"/>
         </p:xfrm>
         <a:graphic>
           <a:graphicData uri="http://schemas.openxmlformats.org/drawingml/2006/table">
@@ -20813,33 +20246,6 @@
       </p:sp>
     </p:spTree>
   </p:cSld>
-  <p:timing>
-    <p:tnLst>
-      <p:par>
-        <p:cTn id="15" dur="indefinite" restart="never" nodeType="tmRoot">
-          <p:childTnLst>
-            <p:seq>
-              <p:cTn id="16" nodeType="mainSeq"/>
-              <p:prevCondLst>
-                <p:cond delay="0" evt="onPrev">
-                  <p:tgtEl>
-                    <p:sldTgt/>
-                  </p:tgtEl>
-                </p:cond>
-              </p:prevCondLst>
-              <p:nextCondLst>
-                <p:cond delay="0" evt="onNext">
-                  <p:tgtEl>
-                    <p:sldTgt/>
-                  </p:tgtEl>
-                </p:cond>
-              </p:nextCondLst>
-            </p:seq>
-          </p:childTnLst>
-        </p:cTn>
-      </p:par>
-    </p:tnLst>
-  </p:timing>
 </p:sld>
 </file>
 
@@ -20904,7 +20310,7 @@
         </p:nvGraphicFramePr>
         <p:xfrm>
           <a:off x="0" y="0"/>
-          <a:ext cx="9143640" cy="370440"/>
+          <a:ext cx="9143280" cy="370080"/>
         </p:xfrm>
         <a:graphic>
           <a:graphicData uri="http://schemas.openxmlformats.org/drawingml/2006/table">
@@ -22641,33 +22047,6 @@
       </p:sp>
     </p:spTree>
   </p:cSld>
-  <p:timing>
-    <p:tnLst>
-      <p:par>
-        <p:cTn id="17" dur="indefinite" restart="never" nodeType="tmRoot">
-          <p:childTnLst>
-            <p:seq>
-              <p:cTn id="18" nodeType="mainSeq"/>
-              <p:prevCondLst>
-                <p:cond delay="0" evt="onPrev">
-                  <p:tgtEl>
-                    <p:sldTgt/>
-                  </p:tgtEl>
-                </p:cond>
-              </p:prevCondLst>
-              <p:nextCondLst>
-                <p:cond delay="0" evt="onNext">
-                  <p:tgtEl>
-                    <p:sldTgt/>
-                  </p:tgtEl>
-                </p:cond>
-              </p:nextCondLst>
-            </p:seq>
-          </p:childTnLst>
-        </p:cTn>
-      </p:par>
-    </p:tnLst>
-  </p:timing>
 </p:sld>
 </file>
 
